--- a/6.Crypto/Cryptology4-Public-Key-Intro-RSA.pptx
+++ b/6.Crypto/Cryptology4-Public-Key-Intro-RSA.pptx
@@ -214,7 +214,7 @@
           <a:p>
             <a:fld id="{2AC0D433-9248-46F4-9682-6CC4E8F4FBC6}" type="datetimeFigureOut">
               <a:rPr lang="en-US" smtClean="0"/>
-              <a:t>4/15/2021</a:t>
+              <a:t>11/12/2021</a:t>
             </a:fld>
             <a:endParaRPr lang="en-US"/>
           </a:p>
@@ -2659,7 +2659,7 @@
           <a:p>
             <a:fld id="{C3E06BAD-05F5-44A9-B5C5-B831AE20BFF1}" type="datetimeFigureOut">
               <a:rPr lang="en-US" smtClean="0"/>
-              <a:t>4/15/2021</a:t>
+              <a:t>11/12/2021</a:t>
             </a:fld>
             <a:endParaRPr lang="en-US"/>
           </a:p>
@@ -2857,7 +2857,7 @@
           <a:p>
             <a:fld id="{C3E06BAD-05F5-44A9-B5C5-B831AE20BFF1}" type="datetimeFigureOut">
               <a:rPr lang="en-US" smtClean="0"/>
-              <a:t>4/15/2021</a:t>
+              <a:t>11/12/2021</a:t>
             </a:fld>
             <a:endParaRPr lang="en-US"/>
           </a:p>
@@ -3065,7 +3065,7 @@
           <a:p>
             <a:fld id="{C3E06BAD-05F5-44A9-B5C5-B831AE20BFF1}" type="datetimeFigureOut">
               <a:rPr lang="en-US" smtClean="0"/>
-              <a:t>4/15/2021</a:t>
+              <a:t>11/12/2021</a:t>
             </a:fld>
             <a:endParaRPr lang="en-US"/>
           </a:p>
@@ -3263,7 +3263,7 @@
           <a:p>
             <a:fld id="{C3E06BAD-05F5-44A9-B5C5-B831AE20BFF1}" type="datetimeFigureOut">
               <a:rPr lang="en-US" smtClean="0"/>
-              <a:t>4/15/2021</a:t>
+              <a:t>11/12/2021</a:t>
             </a:fld>
             <a:endParaRPr lang="en-US"/>
           </a:p>
@@ -3538,7 +3538,7 @@
           <a:p>
             <a:fld id="{C3E06BAD-05F5-44A9-B5C5-B831AE20BFF1}" type="datetimeFigureOut">
               <a:rPr lang="en-US" smtClean="0"/>
-              <a:t>4/15/2021</a:t>
+              <a:t>11/12/2021</a:t>
             </a:fld>
             <a:endParaRPr lang="en-US"/>
           </a:p>
@@ -3803,7 +3803,7 @@
           <a:p>
             <a:fld id="{C3E06BAD-05F5-44A9-B5C5-B831AE20BFF1}" type="datetimeFigureOut">
               <a:rPr lang="en-US" smtClean="0"/>
-              <a:t>4/15/2021</a:t>
+              <a:t>11/12/2021</a:t>
             </a:fld>
             <a:endParaRPr lang="en-US"/>
           </a:p>
@@ -4215,7 +4215,7 @@
           <a:p>
             <a:fld id="{C3E06BAD-05F5-44A9-B5C5-B831AE20BFF1}" type="datetimeFigureOut">
               <a:rPr lang="en-US" smtClean="0"/>
-              <a:t>4/15/2021</a:t>
+              <a:t>11/12/2021</a:t>
             </a:fld>
             <a:endParaRPr lang="en-US"/>
           </a:p>
@@ -4356,7 +4356,7 @@
           <a:p>
             <a:fld id="{C3E06BAD-05F5-44A9-B5C5-B831AE20BFF1}" type="datetimeFigureOut">
               <a:rPr lang="en-US" smtClean="0"/>
-              <a:t>4/15/2021</a:t>
+              <a:t>11/12/2021</a:t>
             </a:fld>
             <a:endParaRPr lang="en-US"/>
           </a:p>
@@ -4469,7 +4469,7 @@
           <a:p>
             <a:fld id="{C3E06BAD-05F5-44A9-B5C5-B831AE20BFF1}" type="datetimeFigureOut">
               <a:rPr lang="en-US" smtClean="0"/>
-              <a:t>4/15/2021</a:t>
+              <a:t>11/12/2021</a:t>
             </a:fld>
             <a:endParaRPr lang="en-US"/>
           </a:p>
@@ -4780,7 +4780,7 @@
           <a:p>
             <a:fld id="{C3E06BAD-05F5-44A9-B5C5-B831AE20BFF1}" type="datetimeFigureOut">
               <a:rPr lang="en-US" smtClean="0"/>
-              <a:t>4/15/2021</a:t>
+              <a:t>11/12/2021</a:t>
             </a:fld>
             <a:endParaRPr lang="en-US"/>
           </a:p>
@@ -5068,7 +5068,7 @@
           <a:p>
             <a:fld id="{C3E06BAD-05F5-44A9-B5C5-B831AE20BFF1}" type="datetimeFigureOut">
               <a:rPr lang="en-US" smtClean="0"/>
-              <a:t>4/15/2021</a:t>
+              <a:t>11/12/2021</a:t>
             </a:fld>
             <a:endParaRPr lang="en-US"/>
           </a:p>
@@ -5309,7 +5309,7 @@
           <a:p>
             <a:fld id="{C3E06BAD-05F5-44A9-B5C5-B831AE20BFF1}" type="datetimeFigureOut">
               <a:rPr lang="en-US" smtClean="0"/>
-              <a:t>4/15/2021</a:t>
+              <a:t>11/12/2021</a:t>
             </a:fld>
             <a:endParaRPr lang="en-US"/>
           </a:p>
@@ -7304,7 +7304,7 @@
             <a:pPr lvl="1"/>
             <a:r>
               <a:rPr lang="en-US" dirty="0"/>
-              <a:t>There are still problems (how do we know Alice’s public is really Alice’s)</a:t>
+              <a:t>There are still problems (how do we know Alice’s public is really Alice’s?)</a:t>
             </a:r>
           </a:p>
           <a:p>
